--- a/cem/img/vorlagen.pptx
+++ b/cem/img/vorlagen.pptx
@@ -6,6 +6,7 @@
   </p:sldMasterIdLst>
   <p:sldIdLst>
     <p:sldId id="257" r:id="rId5"/>
+    <p:sldId id="258" r:id="rId6"/>
   </p:sldIdLst>
   <p:sldSz cx="12192000" cy="6858000"/>
   <p:notesSz cx="6858000" cy="9144000"/>
@@ -104,7 +105,440 @@
       </a:defRPr>
     </a:lvl9pPr>
   </p:defaultTextStyle>
+  <p:extLst>
+    <p:ext uri="{EFAFB233-063F-42B5-8137-9DF3F51BA10A}">
+      <p15:sldGuideLst xmlns:p15="http://schemas.microsoft.com/office/powerpoint/2012/main"/>
+    </p:ext>
+  </p:extLst>
 </p:presentation>
+</file>
+
+<file path=ppt/revisionInfo.xml><?xml version="1.0" encoding="utf-8"?>
+<p1510:revInfo xmlns:a="http://schemas.openxmlformats.org/drawingml/2006/main" xmlns:r="http://schemas.openxmlformats.org/officeDocument/2006/relationships" xmlns:p1510="http://schemas.microsoft.com/office/powerpoint/2015/10/main">
+  <p1510:revLst>
+    <p1510:client id="{5AA582B3-7F70-4897-B35A-52833A87036B}" v="29" dt="2019-10-12T14:28:57.344"/>
+  </p1510:revLst>
+</p1510:revInfo>
+</file>
+
+<file path=ppt/changesInfos/changesInfo1.xml><?xml version="1.0" encoding="utf-8"?>
+<pc:chgInfo xmlns:a="http://schemas.openxmlformats.org/drawingml/2006/main" xmlns:r="http://schemas.openxmlformats.org/officeDocument/2006/relationships" xmlns:ac="http://schemas.microsoft.com/office/drawing/2013/main/command" xmlns:pc="http://schemas.microsoft.com/office/powerpoint/2013/main/command">
+  <pc:docChgLst>
+    <pc:chgData name="Freimoser, Cem" userId="e42bc64c-4366-4d17-9bfb-3fe62e9a191e" providerId="ADAL" clId="{5AA582B3-7F70-4897-B35A-52833A87036B}"/>
+    <pc:docChg chg="undo custSel addSld modSld">
+      <pc:chgData name="Freimoser, Cem" userId="e42bc64c-4366-4d17-9bfb-3fe62e9a191e" providerId="ADAL" clId="{5AA582B3-7F70-4897-B35A-52833A87036B}" dt="2019-10-12T14:28:57.344" v="188" actId="164"/>
+      <pc:docMkLst>
+        <pc:docMk/>
+      </pc:docMkLst>
+      <pc:sldChg chg="addSp delSp modSp">
+        <pc:chgData name="Freimoser, Cem" userId="e42bc64c-4366-4d17-9bfb-3fe62e9a191e" providerId="ADAL" clId="{5AA582B3-7F70-4897-B35A-52833A87036B}" dt="2019-10-12T14:22:29.193" v="110"/>
+        <pc:sldMkLst>
+          <pc:docMk/>
+          <pc:sldMk cId="864624502" sldId="257"/>
+        </pc:sldMkLst>
+        <pc:spChg chg="add del mod">
+          <ac:chgData name="Freimoser, Cem" userId="e42bc64c-4366-4d17-9bfb-3fe62e9a191e" providerId="ADAL" clId="{5AA582B3-7F70-4897-B35A-52833A87036B}" dt="2019-10-12T14:22:29.193" v="110"/>
+          <ac:spMkLst>
+            <pc:docMk/>
+            <pc:sldMk cId="864624502" sldId="257"/>
+            <ac:spMk id="25" creationId="{7C5459BE-0C62-4EBA-985E-73DD97BB91F0}"/>
+          </ac:spMkLst>
+        </pc:spChg>
+        <pc:grpChg chg="mod">
+          <ac:chgData name="Freimoser, Cem" userId="e42bc64c-4366-4d17-9bfb-3fe62e9a191e" providerId="ADAL" clId="{5AA582B3-7F70-4897-B35A-52833A87036B}" dt="2019-10-12T14:16:44.268" v="1" actId="1076"/>
+          <ac:grpSpMkLst>
+            <pc:docMk/>
+            <pc:sldMk cId="864624502" sldId="257"/>
+            <ac:grpSpMk id="77" creationId="{8AC3BEAF-CFA6-4895-8E35-A72112B0F495}"/>
+          </ac:grpSpMkLst>
+        </pc:grpChg>
+      </pc:sldChg>
+      <pc:sldChg chg="addSp delSp modSp add">
+        <pc:chgData name="Freimoser, Cem" userId="e42bc64c-4366-4d17-9bfb-3fe62e9a191e" providerId="ADAL" clId="{5AA582B3-7F70-4897-B35A-52833A87036B}" dt="2019-10-12T14:28:57.344" v="188" actId="164"/>
+        <pc:sldMkLst>
+          <pc:docMk/>
+          <pc:sldMk cId="2897445116" sldId="258"/>
+        </pc:sldMkLst>
+        <pc:spChg chg="mod topLvl">
+          <ac:chgData name="Freimoser, Cem" userId="e42bc64c-4366-4d17-9bfb-3fe62e9a191e" providerId="ADAL" clId="{5AA582B3-7F70-4897-B35A-52833A87036B}" dt="2019-10-12T14:28:57.344" v="188" actId="164"/>
+          <ac:spMkLst>
+            <pc:docMk/>
+            <pc:sldMk cId="2897445116" sldId="258"/>
+            <ac:spMk id="4" creationId="{E42DC184-8A05-471C-8245-AA62CE5D3961}"/>
+          </ac:spMkLst>
+        </pc:spChg>
+        <pc:spChg chg="mod topLvl">
+          <ac:chgData name="Freimoser, Cem" userId="e42bc64c-4366-4d17-9bfb-3fe62e9a191e" providerId="ADAL" clId="{5AA582B3-7F70-4897-B35A-52833A87036B}" dt="2019-10-12T14:28:57.344" v="188" actId="164"/>
+          <ac:spMkLst>
+            <pc:docMk/>
+            <pc:sldMk cId="2897445116" sldId="258"/>
+            <ac:spMk id="5" creationId="{4E2868DF-27F0-47EA-A5A0-810B0467FFC2}"/>
+          </ac:spMkLst>
+        </pc:spChg>
+        <pc:spChg chg="mod topLvl">
+          <ac:chgData name="Freimoser, Cem" userId="e42bc64c-4366-4d17-9bfb-3fe62e9a191e" providerId="ADAL" clId="{5AA582B3-7F70-4897-B35A-52833A87036B}" dt="2019-10-12T14:28:57.344" v="188" actId="164"/>
+          <ac:spMkLst>
+            <pc:docMk/>
+            <pc:sldMk cId="2897445116" sldId="258"/>
+            <ac:spMk id="6" creationId="{A8303C97-DA53-43E4-AEC7-E5FD63338B75}"/>
+          </ac:spMkLst>
+        </pc:spChg>
+        <pc:spChg chg="mod topLvl">
+          <ac:chgData name="Freimoser, Cem" userId="e42bc64c-4366-4d17-9bfb-3fe62e9a191e" providerId="ADAL" clId="{5AA582B3-7F70-4897-B35A-52833A87036B}" dt="2019-10-12T14:28:57.344" v="188" actId="164"/>
+          <ac:spMkLst>
+            <pc:docMk/>
+            <pc:sldMk cId="2897445116" sldId="258"/>
+            <ac:spMk id="7" creationId="{9E51FACD-E68D-4A81-80CD-33F948271A59}"/>
+          </ac:spMkLst>
+        </pc:spChg>
+        <pc:spChg chg="mod topLvl">
+          <ac:chgData name="Freimoser, Cem" userId="e42bc64c-4366-4d17-9bfb-3fe62e9a191e" providerId="ADAL" clId="{5AA582B3-7F70-4897-B35A-52833A87036B}" dt="2019-10-12T14:28:57.344" v="188" actId="164"/>
+          <ac:spMkLst>
+            <pc:docMk/>
+            <pc:sldMk cId="2897445116" sldId="258"/>
+            <ac:spMk id="8" creationId="{04D9E479-F035-463D-AB75-6D0588BD2F31}"/>
+          </ac:spMkLst>
+        </pc:spChg>
+        <pc:spChg chg="mod topLvl">
+          <ac:chgData name="Freimoser, Cem" userId="e42bc64c-4366-4d17-9bfb-3fe62e9a191e" providerId="ADAL" clId="{5AA582B3-7F70-4897-B35A-52833A87036B}" dt="2019-10-12T14:28:57.344" v="188" actId="164"/>
+          <ac:spMkLst>
+            <pc:docMk/>
+            <pc:sldMk cId="2897445116" sldId="258"/>
+            <ac:spMk id="9" creationId="{16CCC333-96E1-4CA4-B013-FCCEC353CFD1}"/>
+          </ac:spMkLst>
+        </pc:spChg>
+        <pc:spChg chg="mod topLvl">
+          <ac:chgData name="Freimoser, Cem" userId="e42bc64c-4366-4d17-9bfb-3fe62e9a191e" providerId="ADAL" clId="{5AA582B3-7F70-4897-B35A-52833A87036B}" dt="2019-10-12T14:28:57.344" v="188" actId="164"/>
+          <ac:spMkLst>
+            <pc:docMk/>
+            <pc:sldMk cId="2897445116" sldId="258"/>
+            <ac:spMk id="10" creationId="{B8D56E37-CD8B-415F-9417-DEB693E647DC}"/>
+          </ac:spMkLst>
+        </pc:spChg>
+        <pc:spChg chg="mod topLvl">
+          <ac:chgData name="Freimoser, Cem" userId="e42bc64c-4366-4d17-9bfb-3fe62e9a191e" providerId="ADAL" clId="{5AA582B3-7F70-4897-B35A-52833A87036B}" dt="2019-10-12T14:28:57.344" v="188" actId="164"/>
+          <ac:spMkLst>
+            <pc:docMk/>
+            <pc:sldMk cId="2897445116" sldId="258"/>
+            <ac:spMk id="11" creationId="{4E2D390E-B3B4-4158-A33F-F8F16A83F4CB}"/>
+          </ac:spMkLst>
+        </pc:spChg>
+        <pc:spChg chg="add mod">
+          <ac:chgData name="Freimoser, Cem" userId="e42bc64c-4366-4d17-9bfb-3fe62e9a191e" providerId="ADAL" clId="{5AA582B3-7F70-4897-B35A-52833A87036B}" dt="2019-10-12T14:28:57.344" v="188" actId="164"/>
+          <ac:spMkLst>
+            <pc:docMk/>
+            <pc:sldMk cId="2897445116" sldId="258"/>
+            <ac:spMk id="25" creationId="{0397C208-80D3-40B5-84A8-1997CE811C08}"/>
+          </ac:spMkLst>
+        </pc:spChg>
+        <pc:spChg chg="add mod">
+          <ac:chgData name="Freimoser, Cem" userId="e42bc64c-4366-4d17-9bfb-3fe62e9a191e" providerId="ADAL" clId="{5AA582B3-7F70-4897-B35A-52833A87036B}" dt="2019-10-12T14:28:57.344" v="188" actId="164"/>
+          <ac:spMkLst>
+            <pc:docMk/>
+            <pc:sldMk cId="2897445116" sldId="258"/>
+            <ac:spMk id="29" creationId="{0F00BC97-9A60-425C-AFBA-488C4A241520}"/>
+          </ac:spMkLst>
+        </pc:spChg>
+        <pc:spChg chg="add mod">
+          <ac:chgData name="Freimoser, Cem" userId="e42bc64c-4366-4d17-9bfb-3fe62e9a191e" providerId="ADAL" clId="{5AA582B3-7F70-4897-B35A-52833A87036B}" dt="2019-10-12T14:19:28.904" v="35" actId="571"/>
+          <ac:spMkLst>
+            <pc:docMk/>
+            <pc:sldMk cId="2897445116" sldId="258"/>
+            <ac:spMk id="40" creationId="{29778C71-5C1B-475D-88AE-8299F0C883B0}"/>
+          </ac:spMkLst>
+        </pc:spChg>
+        <pc:spChg chg="add mod">
+          <ac:chgData name="Freimoser, Cem" userId="e42bc64c-4366-4d17-9bfb-3fe62e9a191e" providerId="ADAL" clId="{5AA582B3-7F70-4897-B35A-52833A87036B}" dt="2019-10-12T14:19:28.904" v="35" actId="571"/>
+          <ac:spMkLst>
+            <pc:docMk/>
+            <pc:sldMk cId="2897445116" sldId="258"/>
+            <ac:spMk id="41" creationId="{6E87F5D5-9BA8-4087-9853-B82FEA94BB73}"/>
+          </ac:spMkLst>
+        </pc:spChg>
+        <pc:spChg chg="add mod">
+          <ac:chgData name="Freimoser, Cem" userId="e42bc64c-4366-4d17-9bfb-3fe62e9a191e" providerId="ADAL" clId="{5AA582B3-7F70-4897-B35A-52833A87036B}" dt="2019-10-12T14:19:28.904" v="35" actId="571"/>
+          <ac:spMkLst>
+            <pc:docMk/>
+            <pc:sldMk cId="2897445116" sldId="258"/>
+            <ac:spMk id="42" creationId="{5A261A77-CE90-4A5E-B43F-A5FB804534D0}"/>
+          </ac:spMkLst>
+        </pc:spChg>
+        <pc:spChg chg="add mod">
+          <ac:chgData name="Freimoser, Cem" userId="e42bc64c-4366-4d17-9bfb-3fe62e9a191e" providerId="ADAL" clId="{5AA582B3-7F70-4897-B35A-52833A87036B}" dt="2019-10-12T14:19:28.904" v="35" actId="571"/>
+          <ac:spMkLst>
+            <pc:docMk/>
+            <pc:sldMk cId="2897445116" sldId="258"/>
+            <ac:spMk id="43" creationId="{328198F1-625B-4E56-928C-07B55D5B0B6A}"/>
+          </ac:spMkLst>
+        </pc:spChg>
+        <pc:spChg chg="add mod">
+          <ac:chgData name="Freimoser, Cem" userId="e42bc64c-4366-4d17-9bfb-3fe62e9a191e" providerId="ADAL" clId="{5AA582B3-7F70-4897-B35A-52833A87036B}" dt="2019-10-12T14:19:28.904" v="35" actId="571"/>
+          <ac:spMkLst>
+            <pc:docMk/>
+            <pc:sldMk cId="2897445116" sldId="258"/>
+            <ac:spMk id="44" creationId="{2D53F09C-BD6C-4B20-BE11-8F3AE6FA578C}"/>
+          </ac:spMkLst>
+        </pc:spChg>
+        <pc:spChg chg="add mod">
+          <ac:chgData name="Freimoser, Cem" userId="e42bc64c-4366-4d17-9bfb-3fe62e9a191e" providerId="ADAL" clId="{5AA582B3-7F70-4897-B35A-52833A87036B}" dt="2019-10-12T14:28:57.344" v="188" actId="164"/>
+          <ac:spMkLst>
+            <pc:docMk/>
+            <pc:sldMk cId="2897445116" sldId="258"/>
+            <ac:spMk id="46" creationId="{F17A0D5C-1490-42C4-81BA-EBE6732EE6A2}"/>
+          </ac:spMkLst>
+        </pc:spChg>
+        <pc:spChg chg="add mod">
+          <ac:chgData name="Freimoser, Cem" userId="e42bc64c-4366-4d17-9bfb-3fe62e9a191e" providerId="ADAL" clId="{5AA582B3-7F70-4897-B35A-52833A87036B}" dt="2019-10-12T14:28:57.344" v="188" actId="164"/>
+          <ac:spMkLst>
+            <pc:docMk/>
+            <pc:sldMk cId="2897445116" sldId="258"/>
+            <ac:spMk id="47" creationId="{DC0C8359-C876-4A1B-8CBC-119D698F7D57}"/>
+          </ac:spMkLst>
+        </pc:spChg>
+        <pc:spChg chg="add del mod">
+          <ac:chgData name="Freimoser, Cem" userId="e42bc64c-4366-4d17-9bfb-3fe62e9a191e" providerId="ADAL" clId="{5AA582B3-7F70-4897-B35A-52833A87036B}" dt="2019-10-12T14:26:43.390" v="149" actId="478"/>
+          <ac:spMkLst>
+            <pc:docMk/>
+            <pc:sldMk cId="2897445116" sldId="258"/>
+            <ac:spMk id="49" creationId="{3FBCF3B5-785E-4EC1-9A3C-E3DF7A6A4EFC}"/>
+          </ac:spMkLst>
+        </pc:spChg>
+        <pc:spChg chg="del mod topLvl">
+          <ac:chgData name="Freimoser, Cem" userId="e42bc64c-4366-4d17-9bfb-3fe62e9a191e" providerId="ADAL" clId="{5AA582B3-7F70-4897-B35A-52833A87036B}" dt="2019-10-12T14:24:50.894" v="139" actId="478"/>
+          <ac:spMkLst>
+            <pc:docMk/>
+            <pc:sldMk cId="2897445116" sldId="258"/>
+            <ac:spMk id="56" creationId="{47F0CB5A-1FD3-4760-8F3E-2FCEB918ADA6}"/>
+          </ac:spMkLst>
+        </pc:spChg>
+        <pc:spChg chg="del mod topLvl">
+          <ac:chgData name="Freimoser, Cem" userId="e42bc64c-4366-4d17-9bfb-3fe62e9a191e" providerId="ADAL" clId="{5AA582B3-7F70-4897-B35A-52833A87036B}" dt="2019-10-12T14:24:49.823" v="138" actId="478"/>
+          <ac:spMkLst>
+            <pc:docMk/>
+            <pc:sldMk cId="2897445116" sldId="258"/>
+            <ac:spMk id="57" creationId="{AD2BA714-93AD-4B41-B8DA-FACF44E2E3ED}"/>
+          </ac:spMkLst>
+        </pc:spChg>
+        <pc:spChg chg="del mod topLvl">
+          <ac:chgData name="Freimoser, Cem" userId="e42bc64c-4366-4d17-9bfb-3fe62e9a191e" providerId="ADAL" clId="{5AA582B3-7F70-4897-B35A-52833A87036B}" dt="2019-10-12T14:17:00.163" v="4" actId="478"/>
+          <ac:spMkLst>
+            <pc:docMk/>
+            <pc:sldMk cId="2897445116" sldId="258"/>
+            <ac:spMk id="58" creationId="{26B3DEED-D3F6-43AE-B300-0F9FE1E1007C}"/>
+          </ac:spMkLst>
+        </pc:spChg>
+        <pc:spChg chg="del mod topLvl">
+          <ac:chgData name="Freimoser, Cem" userId="e42bc64c-4366-4d17-9bfb-3fe62e9a191e" providerId="ADAL" clId="{5AA582B3-7F70-4897-B35A-52833A87036B}" dt="2019-10-12T14:17:00.163" v="4" actId="478"/>
+          <ac:spMkLst>
+            <pc:docMk/>
+            <pc:sldMk cId="2897445116" sldId="258"/>
+            <ac:spMk id="59" creationId="{0B9B0B83-F579-4E37-B21F-C26EC9A57F75}"/>
+          </ac:spMkLst>
+        </pc:spChg>
+        <pc:spChg chg="del mod topLvl">
+          <ac:chgData name="Freimoser, Cem" userId="e42bc64c-4366-4d17-9bfb-3fe62e9a191e" providerId="ADAL" clId="{5AA582B3-7F70-4897-B35A-52833A87036B}" dt="2019-10-12T14:17:00.163" v="4" actId="478"/>
+          <ac:spMkLst>
+            <pc:docMk/>
+            <pc:sldMk cId="2897445116" sldId="258"/>
+            <ac:spMk id="60" creationId="{AD667833-6260-4F71-AB92-EA4D6AD19378}"/>
+          </ac:spMkLst>
+        </pc:spChg>
+        <pc:spChg chg="add del mod">
+          <ac:chgData name="Freimoser, Cem" userId="e42bc64c-4366-4d17-9bfb-3fe62e9a191e" providerId="ADAL" clId="{5AA582B3-7F70-4897-B35A-52833A87036B}" dt="2019-10-12T14:26:45.667" v="152" actId="478"/>
+          <ac:spMkLst>
+            <pc:docMk/>
+            <pc:sldMk cId="2897445116" sldId="258"/>
+            <ac:spMk id="65" creationId="{8B21ED98-FF10-4C8B-A656-967F648F923B}"/>
+          </ac:spMkLst>
+        </pc:spChg>
+        <pc:spChg chg="add del mod">
+          <ac:chgData name="Freimoser, Cem" userId="e42bc64c-4366-4d17-9bfb-3fe62e9a191e" providerId="ADAL" clId="{5AA582B3-7F70-4897-B35A-52833A87036B}" dt="2019-10-12T14:26:44.278" v="151" actId="478"/>
+          <ac:spMkLst>
+            <pc:docMk/>
+            <pc:sldMk cId="2897445116" sldId="258"/>
+            <ac:spMk id="66" creationId="{B57B8FB2-F767-4B5D-AD5B-01A2C6DB2C0D}"/>
+          </ac:spMkLst>
+        </pc:spChg>
+        <pc:spChg chg="del mod topLvl">
+          <ac:chgData name="Freimoser, Cem" userId="e42bc64c-4366-4d17-9bfb-3fe62e9a191e" providerId="ADAL" clId="{5AA582B3-7F70-4897-B35A-52833A87036B}" dt="2019-10-12T14:18:05.468" v="16" actId="478"/>
+          <ac:spMkLst>
+            <pc:docMk/>
+            <pc:sldMk cId="2897445116" sldId="258"/>
+            <ac:spMk id="67" creationId="{D19E1047-6BDB-452F-9935-3839C40F5940}"/>
+          </ac:spMkLst>
+        </pc:spChg>
+        <pc:spChg chg="del mod topLvl">
+          <ac:chgData name="Freimoser, Cem" userId="e42bc64c-4366-4d17-9bfb-3fe62e9a191e" providerId="ADAL" clId="{5AA582B3-7F70-4897-B35A-52833A87036B}" dt="2019-10-12T14:18:10.420" v="18" actId="478"/>
+          <ac:spMkLst>
+            <pc:docMk/>
+            <pc:sldMk cId="2897445116" sldId="258"/>
+            <ac:spMk id="68" creationId="{875926DD-E70A-488B-B75B-68B8CF73BD2D}"/>
+          </ac:spMkLst>
+        </pc:spChg>
+        <pc:spChg chg="mod topLvl">
+          <ac:chgData name="Freimoser, Cem" userId="e42bc64c-4366-4d17-9bfb-3fe62e9a191e" providerId="ADAL" clId="{5AA582B3-7F70-4897-B35A-52833A87036B}" dt="2019-10-12T14:28:57.344" v="188" actId="164"/>
+          <ac:spMkLst>
+            <pc:docMk/>
+            <pc:sldMk cId="2897445116" sldId="258"/>
+            <ac:spMk id="72" creationId="{A7BF5E47-6102-4459-A5B6-277075D846D5}"/>
+          </ac:spMkLst>
+        </pc:spChg>
+        <pc:spChg chg="del mod topLvl">
+          <ac:chgData name="Freimoser, Cem" userId="e42bc64c-4366-4d17-9bfb-3fe62e9a191e" providerId="ADAL" clId="{5AA582B3-7F70-4897-B35A-52833A87036B}" dt="2019-10-12T14:26:54.502" v="153" actId="478"/>
+          <ac:spMkLst>
+            <pc:docMk/>
+            <pc:sldMk cId="2897445116" sldId="258"/>
+            <ac:spMk id="73" creationId="{3F7D0613-0D08-4264-8CE7-3FA3564C0D1A}"/>
+          </ac:spMkLst>
+        </pc:spChg>
+        <pc:spChg chg="del mod topLvl">
+          <ac:chgData name="Freimoser, Cem" userId="e42bc64c-4366-4d17-9bfb-3fe62e9a191e" providerId="ADAL" clId="{5AA582B3-7F70-4897-B35A-52833A87036B}" dt="2019-10-12T14:26:54.962" v="154" actId="478"/>
+          <ac:spMkLst>
+            <pc:docMk/>
+            <pc:sldMk cId="2897445116" sldId="258"/>
+            <ac:spMk id="74" creationId="{8D3906BE-861F-45DE-B5F0-DA3BD0CAC46D}"/>
+          </ac:spMkLst>
+        </pc:spChg>
+        <pc:spChg chg="del mod topLvl">
+          <ac:chgData name="Freimoser, Cem" userId="e42bc64c-4366-4d17-9bfb-3fe62e9a191e" providerId="ADAL" clId="{5AA582B3-7F70-4897-B35A-52833A87036B}" dt="2019-10-12T14:26:55.426" v="155" actId="478"/>
+          <ac:spMkLst>
+            <pc:docMk/>
+            <pc:sldMk cId="2897445116" sldId="258"/>
+            <ac:spMk id="75" creationId="{16279890-E736-4C1C-81DC-F501E6754795}"/>
+          </ac:spMkLst>
+        </pc:spChg>
+        <pc:spChg chg="del mod topLvl">
+          <ac:chgData name="Freimoser, Cem" userId="e42bc64c-4366-4d17-9bfb-3fe62e9a191e" providerId="ADAL" clId="{5AA582B3-7F70-4897-B35A-52833A87036B}" dt="2019-10-12T14:26:55.793" v="156" actId="478"/>
+          <ac:spMkLst>
+            <pc:docMk/>
+            <pc:sldMk cId="2897445116" sldId="258"/>
+            <ac:spMk id="76" creationId="{4A16246D-8B66-4000-819F-E666B2001EEB}"/>
+          </ac:spMkLst>
+        </pc:spChg>
+        <pc:spChg chg="add del mod">
+          <ac:chgData name="Freimoser, Cem" userId="e42bc64c-4366-4d17-9bfb-3fe62e9a191e" providerId="ADAL" clId="{5AA582B3-7F70-4897-B35A-52833A87036B}" dt="2019-10-12T14:28:42.208" v="186" actId="478"/>
+          <ac:spMkLst>
+            <pc:docMk/>
+            <pc:sldMk cId="2897445116" sldId="258"/>
+            <ac:spMk id="82" creationId="{07F5D7FD-1139-4189-B36A-A0F14BB8DF3E}"/>
+          </ac:spMkLst>
+        </pc:spChg>
+        <pc:spChg chg="add del mod">
+          <ac:chgData name="Freimoser, Cem" userId="e42bc64c-4366-4d17-9bfb-3fe62e9a191e" providerId="ADAL" clId="{5AA582B3-7F70-4897-B35A-52833A87036B}" dt="2019-10-12T14:28:41.666" v="185" actId="478"/>
+          <ac:spMkLst>
+            <pc:docMk/>
+            <pc:sldMk cId="2897445116" sldId="258"/>
+            <ac:spMk id="83" creationId="{60A138F6-56CB-4531-9C40-B67CE3257AEB}"/>
+          </ac:spMkLst>
+        </pc:spChg>
+        <pc:spChg chg="add del">
+          <ac:chgData name="Freimoser, Cem" userId="e42bc64c-4366-4d17-9bfb-3fe62e9a191e" providerId="ADAL" clId="{5AA582B3-7F70-4897-B35A-52833A87036B}" dt="2019-10-12T14:28:40.917" v="184" actId="478"/>
+          <ac:spMkLst>
+            <pc:docMk/>
+            <pc:sldMk cId="2897445116" sldId="258"/>
+            <ac:spMk id="84" creationId="{1D6AFA86-EEF1-47A1-8A8C-AFDA6CF19C23}"/>
+          </ac:spMkLst>
+        </pc:spChg>
+        <pc:grpChg chg="del">
+          <ac:chgData name="Freimoser, Cem" userId="e42bc64c-4366-4d17-9bfb-3fe62e9a191e" providerId="ADAL" clId="{5AA582B3-7F70-4897-B35A-52833A87036B}" dt="2019-10-12T14:16:56.947" v="3" actId="165"/>
+          <ac:grpSpMkLst>
+            <pc:docMk/>
+            <pc:sldMk cId="2897445116" sldId="258"/>
+            <ac:grpSpMk id="77" creationId="{8AC3BEAF-CFA6-4895-8E35-A72112B0F495}"/>
+          </ac:grpSpMkLst>
+        </pc:grpChg>
+        <pc:grpChg chg="add mod">
+          <ac:chgData name="Freimoser, Cem" userId="e42bc64c-4366-4d17-9bfb-3fe62e9a191e" providerId="ADAL" clId="{5AA582B3-7F70-4897-B35A-52833A87036B}" dt="2019-10-12T14:28:57.344" v="188" actId="164"/>
+          <ac:grpSpMkLst>
+            <pc:docMk/>
+            <pc:sldMk cId="2897445116" sldId="258"/>
+            <ac:grpSpMk id="85" creationId="{BC85D56B-8782-4056-93D9-8AA507F28949}"/>
+          </ac:grpSpMkLst>
+        </pc:grpChg>
+        <pc:cxnChg chg="add mod">
+          <ac:chgData name="Freimoser, Cem" userId="e42bc64c-4366-4d17-9bfb-3fe62e9a191e" providerId="ADAL" clId="{5AA582B3-7F70-4897-B35A-52833A87036B}" dt="2019-10-12T14:28:57.344" v="188" actId="164"/>
+          <ac:cxnSpMkLst>
+            <pc:docMk/>
+            <pc:sldMk cId="2897445116" sldId="258"/>
+            <ac:cxnSpMk id="12" creationId="{0681207C-4D18-4758-B3E3-207533FE1195}"/>
+          </ac:cxnSpMkLst>
+        </pc:cxnChg>
+        <pc:cxnChg chg="add del mod">
+          <ac:chgData name="Freimoser, Cem" userId="e42bc64c-4366-4d17-9bfb-3fe62e9a191e" providerId="ADAL" clId="{5AA582B3-7F70-4897-B35A-52833A87036B}" dt="2019-10-12T14:22:53.472" v="116" actId="478"/>
+          <ac:cxnSpMkLst>
+            <pc:docMk/>
+            <pc:sldMk cId="2897445116" sldId="258"/>
+            <ac:cxnSpMk id="19" creationId="{C0F9E3FC-0E71-48EE-96DA-1E82FF9F131D}"/>
+          </ac:cxnSpMkLst>
+        </pc:cxnChg>
+        <pc:cxnChg chg="add del mod">
+          <ac:chgData name="Freimoser, Cem" userId="e42bc64c-4366-4d17-9bfb-3fe62e9a191e" providerId="ADAL" clId="{5AA582B3-7F70-4897-B35A-52833A87036B}" dt="2019-10-12T14:18:17.281" v="22" actId="478"/>
+          <ac:cxnSpMkLst>
+            <pc:docMk/>
+            <pc:sldMk cId="2897445116" sldId="258"/>
+            <ac:cxnSpMk id="26" creationId="{6E344F1C-CCBE-4879-8EE5-5725FB7D130F}"/>
+          </ac:cxnSpMkLst>
+        </pc:cxnChg>
+        <pc:cxnChg chg="add mod">
+          <ac:chgData name="Freimoser, Cem" userId="e42bc64c-4366-4d17-9bfb-3fe62e9a191e" providerId="ADAL" clId="{5AA582B3-7F70-4897-B35A-52833A87036B}" dt="2019-10-12T14:28:57.344" v="188" actId="164"/>
+          <ac:cxnSpMkLst>
+            <pc:docMk/>
+            <pc:sldMk cId="2897445116" sldId="258"/>
+            <ac:cxnSpMk id="31" creationId="{794ECF8A-8A00-4768-930A-4D3862B98C45}"/>
+          </ac:cxnSpMkLst>
+        </pc:cxnChg>
+        <pc:cxnChg chg="add mod">
+          <ac:chgData name="Freimoser, Cem" userId="e42bc64c-4366-4d17-9bfb-3fe62e9a191e" providerId="ADAL" clId="{5AA582B3-7F70-4897-B35A-52833A87036B}" dt="2019-10-12T14:28:57.344" v="188" actId="164"/>
+          <ac:cxnSpMkLst>
+            <pc:docMk/>
+            <pc:sldMk cId="2897445116" sldId="258"/>
+            <ac:cxnSpMk id="33" creationId="{DF054D59-97FE-4038-BB30-0996141AB329}"/>
+          </ac:cxnSpMkLst>
+        </pc:cxnChg>
+        <pc:cxnChg chg="add mod">
+          <ac:chgData name="Freimoser, Cem" userId="e42bc64c-4366-4d17-9bfb-3fe62e9a191e" providerId="ADAL" clId="{5AA582B3-7F70-4897-B35A-52833A87036B}" dt="2019-10-12T14:28:57.344" v="188" actId="164"/>
+          <ac:cxnSpMkLst>
+            <pc:docMk/>
+            <pc:sldMk cId="2897445116" sldId="258"/>
+            <ac:cxnSpMk id="35" creationId="{190DD0E2-D931-4FBA-96EE-4F077659A324}"/>
+          </ac:cxnSpMkLst>
+        </pc:cxnChg>
+        <pc:cxnChg chg="add mod">
+          <ac:chgData name="Freimoser, Cem" userId="e42bc64c-4366-4d17-9bfb-3fe62e9a191e" providerId="ADAL" clId="{5AA582B3-7F70-4897-B35A-52833A87036B}" dt="2019-10-12T14:28:57.344" v="188" actId="164"/>
+          <ac:cxnSpMkLst>
+            <pc:docMk/>
+            <pc:sldMk cId="2897445116" sldId="258"/>
+            <ac:cxnSpMk id="38" creationId="{55A59FEC-9E0A-468D-94DC-B29C574C9E7C}"/>
+          </ac:cxnSpMkLst>
+        </pc:cxnChg>
+        <pc:cxnChg chg="add mod">
+          <ac:chgData name="Freimoser, Cem" userId="e42bc64c-4366-4d17-9bfb-3fe62e9a191e" providerId="ADAL" clId="{5AA582B3-7F70-4897-B35A-52833A87036B}" dt="2019-10-12T14:28:57.344" v="188" actId="164"/>
+          <ac:cxnSpMkLst>
+            <pc:docMk/>
+            <pc:sldMk cId="2897445116" sldId="258"/>
+            <ac:cxnSpMk id="45" creationId="{EBBB3851-B06A-430F-AEB1-FA75FDB79401}"/>
+          </ac:cxnSpMkLst>
+        </pc:cxnChg>
+        <pc:cxnChg chg="del mod topLvl">
+          <ac:chgData name="Freimoser, Cem" userId="e42bc64c-4366-4d17-9bfb-3fe62e9a191e" providerId="ADAL" clId="{5AA582B3-7F70-4897-B35A-52833A87036B}" dt="2019-10-12T14:18:54.310" v="30" actId="478"/>
+          <ac:cxnSpMkLst>
+            <pc:docMk/>
+            <pc:sldMk cId="2897445116" sldId="258"/>
+            <ac:cxnSpMk id="64" creationId="{08B308AD-5B8F-4F36-AC04-8A5DCFEA92E7}"/>
+          </ac:cxnSpMkLst>
+        </pc:cxnChg>
+        <pc:cxnChg chg="mod topLvl">
+          <ac:chgData name="Freimoser, Cem" userId="e42bc64c-4366-4d17-9bfb-3fe62e9a191e" providerId="ADAL" clId="{5AA582B3-7F70-4897-B35A-52833A87036B}" dt="2019-10-12T14:28:57.344" v="188" actId="164"/>
+          <ac:cxnSpMkLst>
+            <pc:docMk/>
+            <pc:sldMk cId="2897445116" sldId="258"/>
+            <ac:cxnSpMk id="71" creationId="{55C792D6-EC7B-42F9-AF07-6566894D8CF9}"/>
+          </ac:cxnSpMkLst>
+        </pc:cxnChg>
+      </pc:sldChg>
+    </pc:docChg>
+  </pc:docChgLst>
+</pc:chgInfo>
 </file>
 
 <file path=ppt/slideLayouts/slideLayout1.xml><?xml version="1.0" encoding="utf-8"?>
@@ -256,7 +690,7 @@
           <a:p>
             <a:fld id="{64CF3504-31EF-418C-A527-7523E666A0F6}" type="datetimeFigureOut">
               <a:rPr lang="en-GB" smtClean="0"/>
-              <a:t>09/10/2019</a:t>
+              <a:t>12/10/2019</a:t>
             </a:fld>
             <a:endParaRPr lang="en-GB"/>
           </a:p>
@@ -456,7 +890,7 @@
           <a:p>
             <a:fld id="{64CF3504-31EF-418C-A527-7523E666A0F6}" type="datetimeFigureOut">
               <a:rPr lang="en-GB" smtClean="0"/>
-              <a:t>09/10/2019</a:t>
+              <a:t>12/10/2019</a:t>
             </a:fld>
             <a:endParaRPr lang="en-GB"/>
           </a:p>
@@ -666,7 +1100,7 @@
           <a:p>
             <a:fld id="{64CF3504-31EF-418C-A527-7523E666A0F6}" type="datetimeFigureOut">
               <a:rPr lang="en-GB" smtClean="0"/>
-              <a:t>09/10/2019</a:t>
+              <a:t>12/10/2019</a:t>
             </a:fld>
             <a:endParaRPr lang="en-GB"/>
           </a:p>
@@ -866,7 +1300,7 @@
           <a:p>
             <a:fld id="{64CF3504-31EF-418C-A527-7523E666A0F6}" type="datetimeFigureOut">
               <a:rPr lang="en-GB" smtClean="0"/>
-              <a:t>09/10/2019</a:t>
+              <a:t>12/10/2019</a:t>
             </a:fld>
             <a:endParaRPr lang="en-GB"/>
           </a:p>
@@ -1142,7 +1576,7 @@
           <a:p>
             <a:fld id="{64CF3504-31EF-418C-A527-7523E666A0F6}" type="datetimeFigureOut">
               <a:rPr lang="en-GB" smtClean="0"/>
-              <a:t>09/10/2019</a:t>
+              <a:t>12/10/2019</a:t>
             </a:fld>
             <a:endParaRPr lang="en-GB"/>
           </a:p>
@@ -1410,7 +1844,7 @@
           <a:p>
             <a:fld id="{64CF3504-31EF-418C-A527-7523E666A0F6}" type="datetimeFigureOut">
               <a:rPr lang="en-GB" smtClean="0"/>
-              <a:t>09/10/2019</a:t>
+              <a:t>12/10/2019</a:t>
             </a:fld>
             <a:endParaRPr lang="en-GB"/>
           </a:p>
@@ -1825,7 +2259,7 @@
           <a:p>
             <a:fld id="{64CF3504-31EF-418C-A527-7523E666A0F6}" type="datetimeFigureOut">
               <a:rPr lang="en-GB" smtClean="0"/>
-              <a:t>09/10/2019</a:t>
+              <a:t>12/10/2019</a:t>
             </a:fld>
             <a:endParaRPr lang="en-GB"/>
           </a:p>
@@ -1967,7 +2401,7 @@
           <a:p>
             <a:fld id="{64CF3504-31EF-418C-A527-7523E666A0F6}" type="datetimeFigureOut">
               <a:rPr lang="en-GB" smtClean="0"/>
-              <a:t>09/10/2019</a:t>
+              <a:t>12/10/2019</a:t>
             </a:fld>
             <a:endParaRPr lang="en-GB"/>
           </a:p>
@@ -2080,7 +2514,7 @@
           <a:p>
             <a:fld id="{64CF3504-31EF-418C-A527-7523E666A0F6}" type="datetimeFigureOut">
               <a:rPr lang="en-GB" smtClean="0"/>
-              <a:t>09/10/2019</a:t>
+              <a:t>12/10/2019</a:t>
             </a:fld>
             <a:endParaRPr lang="en-GB"/>
           </a:p>
@@ -2393,7 +2827,7 @@
           <a:p>
             <a:fld id="{64CF3504-31EF-418C-A527-7523E666A0F6}" type="datetimeFigureOut">
               <a:rPr lang="en-GB" smtClean="0"/>
-              <a:t>09/10/2019</a:t>
+              <a:t>12/10/2019</a:t>
             </a:fld>
             <a:endParaRPr lang="en-GB"/>
           </a:p>
@@ -2682,7 +3116,7 @@
           <a:p>
             <a:fld id="{64CF3504-31EF-418C-A527-7523E666A0F6}" type="datetimeFigureOut">
               <a:rPr lang="en-GB" smtClean="0"/>
-              <a:t>09/10/2019</a:t>
+              <a:t>12/10/2019</a:t>
             </a:fld>
             <a:endParaRPr lang="en-GB"/>
           </a:p>
@@ -2925,7 +3359,7 @@
           <a:p>
             <a:fld id="{64CF3504-31EF-418C-A527-7523E666A0F6}" type="datetimeFigureOut">
               <a:rPr lang="en-GB" smtClean="0"/>
-              <a:t>09/10/2019</a:t>
+              <a:t>12/10/2019</a:t>
             </a:fld>
             <a:endParaRPr lang="en-GB"/>
           </a:p>
@@ -3356,7 +3790,7 @@
         </p:nvGrpSpPr>
         <p:grpSpPr>
           <a:xfrm>
-            <a:off x="6583525" y="740866"/>
+            <a:off x="5239917" y="278999"/>
             <a:ext cx="5145055" cy="4979026"/>
             <a:chOff x="6938088" y="703544"/>
             <a:chExt cx="5145055" cy="4979026"/>
@@ -4339,6 +4773,934 @@
 </p:sld>
 </file>
 
+<file path=ppt/slides/slide2.xml><?xml version="1.0" encoding="utf-8"?>
+<p:sld xmlns:a="http://schemas.openxmlformats.org/drawingml/2006/main" xmlns:r="http://schemas.openxmlformats.org/officeDocument/2006/relationships" xmlns:p="http://schemas.openxmlformats.org/presentationml/2006/main">
+  <p:cSld>
+    <p:spTree>
+      <p:nvGrpSpPr>
+        <p:cNvPr id="1" name=""/>
+        <p:cNvGrpSpPr/>
+        <p:nvPr/>
+      </p:nvGrpSpPr>
+      <p:grpSpPr>
+        <a:xfrm>
+          <a:off x="0" y="0"/>
+          <a:ext cx="0" cy="0"/>
+          <a:chOff x="0" y="0"/>
+          <a:chExt cx="0" cy="0"/>
+        </a:xfrm>
+      </p:grpSpPr>
+      <p:grpSp>
+        <p:nvGrpSpPr>
+          <p:cNvPr id="85" name="Group 84">
+            <a:extLst>
+              <a:ext uri="{FF2B5EF4-FFF2-40B4-BE49-F238E27FC236}">
+                <a16:creationId xmlns:a16="http://schemas.microsoft.com/office/drawing/2014/main" id="{BC85D56B-8782-4056-93D9-8AA507F28949}"/>
+              </a:ext>
+            </a:extLst>
+          </p:cNvPr>
+          <p:cNvGrpSpPr/>
+          <p:nvPr/>
+        </p:nvGrpSpPr>
+        <p:grpSpPr>
+          <a:xfrm>
+            <a:off x="3800158" y="966490"/>
+            <a:ext cx="5150393" cy="5068548"/>
+            <a:chOff x="3800158" y="966490"/>
+            <a:chExt cx="5150393" cy="5068548"/>
+          </a:xfrm>
+        </p:grpSpPr>
+        <p:sp>
+          <p:nvSpPr>
+            <p:cNvPr id="4" name="Rectangle 3">
+              <a:extLst>
+                <a:ext uri="{FF2B5EF4-FFF2-40B4-BE49-F238E27FC236}">
+                  <a16:creationId xmlns:a16="http://schemas.microsoft.com/office/drawing/2014/main" id="{E42DC184-8A05-471C-8245-AA62CE5D3961}"/>
+                </a:ext>
+              </a:extLst>
+            </p:cNvPr>
+            <p:cNvSpPr/>
+            <p:nvPr/>
+          </p:nvSpPr>
+          <p:spPr>
+            <a:xfrm>
+              <a:off x="4349109" y="966490"/>
+              <a:ext cx="681134" cy="653143"/>
+            </a:xfrm>
+            <a:prstGeom prst="rect">
+              <a:avLst/>
+            </a:prstGeom>
+          </p:spPr>
+          <p:style>
+            <a:lnRef idx="3">
+              <a:schemeClr val="lt1"/>
+            </a:lnRef>
+            <a:fillRef idx="1">
+              <a:schemeClr val="accent5"/>
+            </a:fillRef>
+            <a:effectRef idx="1">
+              <a:schemeClr val="accent5"/>
+            </a:effectRef>
+            <a:fontRef idx="minor">
+              <a:schemeClr val="lt1"/>
+            </a:fontRef>
+          </p:style>
+          <p:txBody>
+            <a:bodyPr rtlCol="0" anchor="ctr"/>
+            <a:lstStyle/>
+            <a:p>
+              <a:pPr algn="ctr"/>
+              <a:r>
+                <a:rPr lang="en-GB" dirty="0"/>
+                <a:t>1xV</a:t>
+              </a:r>
+            </a:p>
+          </p:txBody>
+        </p:sp>
+        <p:sp>
+          <p:nvSpPr>
+            <p:cNvPr id="5" name="Rectangle 4">
+              <a:extLst>
+                <a:ext uri="{FF2B5EF4-FFF2-40B4-BE49-F238E27FC236}">
+                  <a16:creationId xmlns:a16="http://schemas.microsoft.com/office/drawing/2014/main" id="{4E2868DF-27F0-47EA-A5A0-810B0467FFC2}"/>
+                </a:ext>
+              </a:extLst>
+            </p:cNvPr>
+            <p:cNvSpPr/>
+            <p:nvPr/>
+          </p:nvSpPr>
+          <p:spPr>
+            <a:xfrm>
+              <a:off x="4349109" y="1619633"/>
+              <a:ext cx="681134" cy="653143"/>
+            </a:xfrm>
+            <a:prstGeom prst="rect">
+              <a:avLst/>
+            </a:prstGeom>
+          </p:spPr>
+          <p:style>
+            <a:lnRef idx="3">
+              <a:schemeClr val="lt1"/>
+            </a:lnRef>
+            <a:fillRef idx="1">
+              <a:schemeClr val="accent5"/>
+            </a:fillRef>
+            <a:effectRef idx="1">
+              <a:schemeClr val="accent5"/>
+            </a:effectRef>
+            <a:fontRef idx="minor">
+              <a:schemeClr val="lt1"/>
+            </a:fontRef>
+          </p:style>
+          <p:txBody>
+            <a:bodyPr rtlCol="0" anchor="ctr"/>
+            <a:lstStyle/>
+            <a:p>
+              <a:pPr algn="ctr"/>
+              <a:r>
+                <a:rPr lang="en-GB" dirty="0"/>
+                <a:t>1xV</a:t>
+              </a:r>
+            </a:p>
+          </p:txBody>
+        </p:sp>
+        <p:sp>
+          <p:nvSpPr>
+            <p:cNvPr id="6" name="Rectangle 5">
+              <a:extLst>
+                <a:ext uri="{FF2B5EF4-FFF2-40B4-BE49-F238E27FC236}">
+                  <a16:creationId xmlns:a16="http://schemas.microsoft.com/office/drawing/2014/main" id="{A8303C97-DA53-43E4-AEC7-E5FD63338B75}"/>
+                </a:ext>
+              </a:extLst>
+            </p:cNvPr>
+            <p:cNvSpPr/>
+            <p:nvPr/>
+          </p:nvSpPr>
+          <p:spPr>
+            <a:xfrm>
+              <a:off x="4349109" y="2272776"/>
+              <a:ext cx="681134" cy="653143"/>
+            </a:xfrm>
+            <a:prstGeom prst="rect">
+              <a:avLst/>
+            </a:prstGeom>
+          </p:spPr>
+          <p:style>
+            <a:lnRef idx="3">
+              <a:schemeClr val="lt1"/>
+            </a:lnRef>
+            <a:fillRef idx="1">
+              <a:schemeClr val="accent5"/>
+            </a:fillRef>
+            <a:effectRef idx="1">
+              <a:schemeClr val="accent5"/>
+            </a:effectRef>
+            <a:fontRef idx="minor">
+              <a:schemeClr val="lt1"/>
+            </a:fontRef>
+          </p:style>
+          <p:txBody>
+            <a:bodyPr rtlCol="0" anchor="ctr"/>
+            <a:lstStyle/>
+            <a:p>
+              <a:pPr algn="ctr"/>
+              <a:r>
+                <a:rPr lang="en-GB" dirty="0"/>
+                <a:t>1xV</a:t>
+              </a:r>
+            </a:p>
+          </p:txBody>
+        </p:sp>
+        <p:sp>
+          <p:nvSpPr>
+            <p:cNvPr id="7" name="Rectangle 6">
+              <a:extLst>
+                <a:ext uri="{FF2B5EF4-FFF2-40B4-BE49-F238E27FC236}">
+                  <a16:creationId xmlns:a16="http://schemas.microsoft.com/office/drawing/2014/main" id="{9E51FACD-E68D-4A81-80CD-33F948271A59}"/>
+                </a:ext>
+              </a:extLst>
+            </p:cNvPr>
+            <p:cNvSpPr/>
+            <p:nvPr/>
+          </p:nvSpPr>
+          <p:spPr>
+            <a:xfrm>
+              <a:off x="4349109" y="2925919"/>
+              <a:ext cx="681134" cy="653143"/>
+            </a:xfrm>
+            <a:prstGeom prst="rect">
+              <a:avLst/>
+            </a:prstGeom>
+          </p:spPr>
+          <p:style>
+            <a:lnRef idx="3">
+              <a:schemeClr val="lt1"/>
+            </a:lnRef>
+            <a:fillRef idx="1">
+              <a:schemeClr val="accent5"/>
+            </a:fillRef>
+            <a:effectRef idx="1">
+              <a:schemeClr val="accent5"/>
+            </a:effectRef>
+            <a:fontRef idx="minor">
+              <a:schemeClr val="lt1"/>
+            </a:fontRef>
+          </p:style>
+          <p:txBody>
+            <a:bodyPr rtlCol="0" anchor="ctr"/>
+            <a:lstStyle/>
+            <a:p>
+              <a:pPr algn="ctr"/>
+              <a:r>
+                <a:rPr lang="en-GB" dirty="0"/>
+                <a:t>1xV</a:t>
+              </a:r>
+            </a:p>
+          </p:txBody>
+        </p:sp>
+        <p:sp>
+          <p:nvSpPr>
+            <p:cNvPr id="8" name="Rectangle 7">
+              <a:extLst>
+                <a:ext uri="{FF2B5EF4-FFF2-40B4-BE49-F238E27FC236}">
+                  <a16:creationId xmlns:a16="http://schemas.microsoft.com/office/drawing/2014/main" id="{04D9E479-F035-463D-AB75-6D0588BD2F31}"/>
+                </a:ext>
+              </a:extLst>
+            </p:cNvPr>
+            <p:cNvSpPr/>
+            <p:nvPr/>
+          </p:nvSpPr>
+          <p:spPr>
+            <a:xfrm>
+              <a:off x="4349109" y="3560401"/>
+              <a:ext cx="681134" cy="653143"/>
+            </a:xfrm>
+            <a:prstGeom prst="rect">
+              <a:avLst/>
+            </a:prstGeom>
+          </p:spPr>
+          <p:style>
+            <a:lnRef idx="3">
+              <a:schemeClr val="lt1"/>
+            </a:lnRef>
+            <a:fillRef idx="1">
+              <a:schemeClr val="accent5"/>
+            </a:fillRef>
+            <a:effectRef idx="1">
+              <a:schemeClr val="accent5"/>
+            </a:effectRef>
+            <a:fontRef idx="minor">
+              <a:schemeClr val="lt1"/>
+            </a:fontRef>
+          </p:style>
+          <p:txBody>
+            <a:bodyPr rtlCol="0" anchor="ctr"/>
+            <a:lstStyle/>
+            <a:p>
+              <a:pPr algn="ctr"/>
+              <a:r>
+                <a:rPr lang="en-GB" dirty="0"/>
+                <a:t>1xV</a:t>
+              </a:r>
+            </a:p>
+          </p:txBody>
+        </p:sp>
+        <p:sp>
+          <p:nvSpPr>
+            <p:cNvPr id="9" name="Oval 8">
+              <a:extLst>
+                <a:ext uri="{FF2B5EF4-FFF2-40B4-BE49-F238E27FC236}">
+                  <a16:creationId xmlns:a16="http://schemas.microsoft.com/office/drawing/2014/main" id="{16CCC333-96E1-4CA4-B013-FCCEC353CFD1}"/>
+                </a:ext>
+              </a:extLst>
+            </p:cNvPr>
+            <p:cNvSpPr/>
+            <p:nvPr/>
+          </p:nvSpPr>
+          <p:spPr>
+            <a:xfrm>
+              <a:off x="6280247" y="1961860"/>
+              <a:ext cx="723122" cy="737118"/>
+            </a:xfrm>
+            <a:prstGeom prst="ellipse">
+              <a:avLst/>
+            </a:prstGeom>
+          </p:spPr>
+          <p:style>
+            <a:lnRef idx="3">
+              <a:schemeClr val="lt1"/>
+            </a:lnRef>
+            <a:fillRef idx="1">
+              <a:schemeClr val="accent5"/>
+            </a:fillRef>
+            <a:effectRef idx="1">
+              <a:schemeClr val="accent5"/>
+            </a:effectRef>
+            <a:fontRef idx="minor">
+              <a:schemeClr val="lt1"/>
+            </a:fontRef>
+          </p:style>
+          <p:txBody>
+            <a:bodyPr rtlCol="0" anchor="ctr"/>
+            <a:lstStyle/>
+            <a:p>
+              <a:pPr algn="ctr"/>
+              <a:endParaRPr lang="en-GB"/>
+            </a:p>
+          </p:txBody>
+        </p:sp>
+        <p:sp>
+          <p:nvSpPr>
+            <p:cNvPr id="10" name="Oval 9">
+              <a:extLst>
+                <a:ext uri="{FF2B5EF4-FFF2-40B4-BE49-F238E27FC236}">
+                  <a16:creationId xmlns:a16="http://schemas.microsoft.com/office/drawing/2014/main" id="{B8D56E37-CD8B-415F-9417-DEB693E647DC}"/>
+                </a:ext>
+              </a:extLst>
+            </p:cNvPr>
+            <p:cNvSpPr/>
+            <p:nvPr/>
+          </p:nvSpPr>
+          <p:spPr>
+            <a:xfrm>
+              <a:off x="6280247" y="2859931"/>
+              <a:ext cx="723122" cy="737118"/>
+            </a:xfrm>
+            <a:prstGeom prst="ellipse">
+              <a:avLst/>
+            </a:prstGeom>
+          </p:spPr>
+          <p:style>
+            <a:lnRef idx="3">
+              <a:schemeClr val="lt1"/>
+            </a:lnRef>
+            <a:fillRef idx="1">
+              <a:schemeClr val="accent5"/>
+            </a:fillRef>
+            <a:effectRef idx="1">
+              <a:schemeClr val="accent5"/>
+            </a:effectRef>
+            <a:fontRef idx="minor">
+              <a:schemeClr val="lt1"/>
+            </a:fontRef>
+          </p:style>
+          <p:txBody>
+            <a:bodyPr rtlCol="0" anchor="ctr"/>
+            <a:lstStyle/>
+            <a:p>
+              <a:pPr algn="ctr"/>
+              <a:endParaRPr lang="en-GB"/>
+            </a:p>
+          </p:txBody>
+        </p:sp>
+        <p:sp>
+          <p:nvSpPr>
+            <p:cNvPr id="11" name="Oval 10">
+              <a:extLst>
+                <a:ext uri="{FF2B5EF4-FFF2-40B4-BE49-F238E27FC236}">
+                  <a16:creationId xmlns:a16="http://schemas.microsoft.com/office/drawing/2014/main" id="{4E2D390E-B3B4-4158-A33F-F8F16A83F4CB}"/>
+                </a:ext>
+              </a:extLst>
+            </p:cNvPr>
+            <p:cNvSpPr/>
+            <p:nvPr/>
+          </p:nvSpPr>
+          <p:spPr>
+            <a:xfrm>
+              <a:off x="6296291" y="3758002"/>
+              <a:ext cx="723122" cy="737118"/>
+            </a:xfrm>
+            <a:prstGeom prst="ellipse">
+              <a:avLst/>
+            </a:prstGeom>
+          </p:spPr>
+          <p:style>
+            <a:lnRef idx="3">
+              <a:schemeClr val="lt1"/>
+            </a:lnRef>
+            <a:fillRef idx="1">
+              <a:schemeClr val="accent5"/>
+            </a:fillRef>
+            <a:effectRef idx="1">
+              <a:schemeClr val="accent5"/>
+            </a:effectRef>
+            <a:fontRef idx="minor">
+              <a:schemeClr val="lt1"/>
+            </a:fontRef>
+          </p:style>
+          <p:txBody>
+            <a:bodyPr rtlCol="0" anchor="ctr"/>
+            <a:lstStyle/>
+            <a:p>
+              <a:pPr algn="ctr"/>
+              <a:endParaRPr lang="en-GB"/>
+            </a:p>
+          </p:txBody>
+        </p:sp>
+        <p:cxnSp>
+          <p:nvCxnSpPr>
+            <p:cNvPr id="71" name="Straight Arrow Connector 70">
+              <a:extLst>
+                <a:ext uri="{FF2B5EF4-FFF2-40B4-BE49-F238E27FC236}">
+                  <a16:creationId xmlns:a16="http://schemas.microsoft.com/office/drawing/2014/main" id="{55C792D6-EC7B-42F9-AF07-6566894D8CF9}"/>
+                </a:ext>
+              </a:extLst>
+            </p:cNvPr>
+            <p:cNvCxnSpPr>
+              <a:cxnSpLocks/>
+            </p:cNvCxnSpPr>
+            <p:nvPr/>
+          </p:nvCxnSpPr>
+          <p:spPr>
+            <a:xfrm>
+              <a:off x="7057707" y="3223814"/>
+              <a:ext cx="1045884" cy="0"/>
+            </a:xfrm>
+            <a:prstGeom prst="straightConnector1">
+              <a:avLst/>
+            </a:prstGeom>
+            <a:ln>
+              <a:tailEnd type="triangle"/>
+            </a:ln>
+          </p:spPr>
+          <p:style>
+            <a:lnRef idx="1">
+              <a:schemeClr val="accent1"/>
+            </a:lnRef>
+            <a:fillRef idx="0">
+              <a:schemeClr val="accent1"/>
+            </a:fillRef>
+            <a:effectRef idx="0">
+              <a:schemeClr val="accent1"/>
+            </a:effectRef>
+            <a:fontRef idx="minor">
+              <a:schemeClr val="tx1"/>
+            </a:fontRef>
+          </p:style>
+        </p:cxnSp>
+        <p:sp>
+          <p:nvSpPr>
+            <p:cNvPr id="72" name="Rectangle 71">
+              <a:extLst>
+                <a:ext uri="{FF2B5EF4-FFF2-40B4-BE49-F238E27FC236}">
+                  <a16:creationId xmlns:a16="http://schemas.microsoft.com/office/drawing/2014/main" id="{A7BF5E47-6102-4459-A5B6-277075D846D5}"/>
+                </a:ext>
+              </a:extLst>
+            </p:cNvPr>
+            <p:cNvSpPr/>
+            <p:nvPr/>
+          </p:nvSpPr>
+          <p:spPr>
+            <a:xfrm>
+              <a:off x="8269417" y="1701275"/>
+              <a:ext cx="681134" cy="3277950"/>
+            </a:xfrm>
+            <a:prstGeom prst="rect">
+              <a:avLst/>
+            </a:prstGeom>
+          </p:spPr>
+          <p:style>
+            <a:lnRef idx="3">
+              <a:schemeClr val="lt1"/>
+            </a:lnRef>
+            <a:fillRef idx="1">
+              <a:schemeClr val="accent5"/>
+            </a:fillRef>
+            <a:effectRef idx="1">
+              <a:schemeClr val="accent5"/>
+            </a:effectRef>
+            <a:fontRef idx="minor">
+              <a:schemeClr val="lt1"/>
+            </a:fontRef>
+          </p:style>
+          <p:txBody>
+            <a:bodyPr rtlCol="0" anchor="ctr"/>
+            <a:lstStyle/>
+            <a:p>
+              <a:pPr algn="ctr"/>
+              <a:r>
+                <a:rPr lang="en-GB" dirty="0"/>
+                <a:t>1xV</a:t>
+              </a:r>
+            </a:p>
+          </p:txBody>
+        </p:sp>
+        <p:sp>
+          <p:nvSpPr>
+            <p:cNvPr id="25" name="Rectangle 24">
+              <a:extLst>
+                <a:ext uri="{FF2B5EF4-FFF2-40B4-BE49-F238E27FC236}">
+                  <a16:creationId xmlns:a16="http://schemas.microsoft.com/office/drawing/2014/main" id="{0397C208-80D3-40B5-84A8-1997CE811C08}"/>
+                </a:ext>
+              </a:extLst>
+            </p:cNvPr>
+            <p:cNvSpPr/>
+            <p:nvPr/>
+          </p:nvSpPr>
+          <p:spPr>
+            <a:xfrm>
+              <a:off x="4349109" y="4553333"/>
+              <a:ext cx="681134" cy="1391817"/>
+            </a:xfrm>
+            <a:prstGeom prst="rect">
+              <a:avLst/>
+            </a:prstGeom>
+          </p:spPr>
+          <p:style>
+            <a:lnRef idx="3">
+              <a:schemeClr val="lt1"/>
+            </a:lnRef>
+            <a:fillRef idx="1">
+              <a:schemeClr val="accent5"/>
+            </a:fillRef>
+            <a:effectRef idx="1">
+              <a:schemeClr val="accent5"/>
+            </a:effectRef>
+            <a:fontRef idx="minor">
+              <a:schemeClr val="lt1"/>
+            </a:fontRef>
+          </p:style>
+          <p:txBody>
+            <a:bodyPr rtlCol="0" anchor="ctr"/>
+            <a:lstStyle/>
+            <a:p>
+              <a:pPr algn="ctr"/>
+              <a:r>
+                <a:rPr lang="en-GB" dirty="0"/>
+                <a:t>1xC</a:t>
+              </a:r>
+            </a:p>
+          </p:txBody>
+        </p:sp>
+        <p:cxnSp>
+          <p:nvCxnSpPr>
+            <p:cNvPr id="12" name="Connector: Elbow 11">
+              <a:extLst>
+                <a:ext uri="{FF2B5EF4-FFF2-40B4-BE49-F238E27FC236}">
+                  <a16:creationId xmlns:a16="http://schemas.microsoft.com/office/drawing/2014/main" id="{0681207C-4D18-4758-B3E3-207533FE1195}"/>
+                </a:ext>
+              </a:extLst>
+            </p:cNvPr>
+            <p:cNvCxnSpPr>
+              <a:cxnSpLocks/>
+              <a:stCxn id="25" idx="3"/>
+              <a:endCxn id="10" idx="2"/>
+            </p:cNvCxnSpPr>
+            <p:nvPr/>
+          </p:nvCxnSpPr>
+          <p:spPr>
+            <a:xfrm flipV="1">
+              <a:off x="5030243" y="3228490"/>
+              <a:ext cx="1250004" cy="2020752"/>
+            </a:xfrm>
+            <a:prstGeom prst="bentConnector3">
+              <a:avLst>
+                <a:gd name="adj1" fmla="val 50000"/>
+              </a:avLst>
+            </a:prstGeom>
+            <a:ln>
+              <a:tailEnd type="triangle"/>
+            </a:ln>
+          </p:spPr>
+          <p:style>
+            <a:lnRef idx="1">
+              <a:schemeClr val="accent1"/>
+            </a:lnRef>
+            <a:fillRef idx="0">
+              <a:schemeClr val="accent1"/>
+            </a:fillRef>
+            <a:effectRef idx="0">
+              <a:schemeClr val="accent1"/>
+            </a:effectRef>
+            <a:fontRef idx="minor">
+              <a:schemeClr val="tx1"/>
+            </a:fontRef>
+          </p:style>
+        </p:cxnSp>
+        <p:sp>
+          <p:nvSpPr>
+            <p:cNvPr id="46" name="TextBox 45">
+              <a:extLst>
+                <a:ext uri="{FF2B5EF4-FFF2-40B4-BE49-F238E27FC236}">
+                  <a16:creationId xmlns:a16="http://schemas.microsoft.com/office/drawing/2014/main" id="{F17A0D5C-1490-42C4-81BA-EBE6732EE6A2}"/>
+                </a:ext>
+              </a:extLst>
+            </p:cNvPr>
+            <p:cNvSpPr txBox="1"/>
+            <p:nvPr/>
+          </p:nvSpPr>
+          <p:spPr>
+            <a:xfrm rot="16200000">
+              <a:off x="2842532" y="2456667"/>
+              <a:ext cx="2284583" cy="369332"/>
+            </a:xfrm>
+            <a:prstGeom prst="rect">
+              <a:avLst/>
+            </a:prstGeom>
+            <a:noFill/>
+          </p:spPr>
+          <p:txBody>
+            <a:bodyPr wrap="square" rtlCol="0">
+              <a:spAutoFit/>
+            </a:bodyPr>
+            <a:lstStyle/>
+            <a:p>
+              <a:pPr algn="ctr"/>
+              <a:r>
+                <a:rPr lang="en-GB" dirty="0"/>
+                <a:t>One-Hot Word Vectors</a:t>
+              </a:r>
+            </a:p>
+          </p:txBody>
+        </p:sp>
+        <p:sp>
+          <p:nvSpPr>
+            <p:cNvPr id="47" name="TextBox 46">
+              <a:extLst>
+                <a:ext uri="{FF2B5EF4-FFF2-40B4-BE49-F238E27FC236}">
+                  <a16:creationId xmlns:a16="http://schemas.microsoft.com/office/drawing/2014/main" id="{DC0C8359-C876-4A1B-8CBC-119D698F7D57}"/>
+                </a:ext>
+              </a:extLst>
+            </p:cNvPr>
+            <p:cNvSpPr txBox="1"/>
+            <p:nvPr/>
+          </p:nvSpPr>
+          <p:spPr>
+            <a:xfrm rot="16200000">
+              <a:off x="3156024" y="5021572"/>
+              <a:ext cx="1657600" cy="369332"/>
+            </a:xfrm>
+            <a:prstGeom prst="rect">
+              <a:avLst/>
+            </a:prstGeom>
+            <a:noFill/>
+          </p:spPr>
+          <p:txBody>
+            <a:bodyPr wrap="square" rtlCol="0">
+              <a:spAutoFit/>
+            </a:bodyPr>
+            <a:lstStyle/>
+            <a:p>
+              <a:pPr algn="ctr"/>
+              <a:r>
+                <a:rPr lang="en-GB" dirty="0"/>
+                <a:t>Paragraph ID</a:t>
+              </a:r>
+            </a:p>
+          </p:txBody>
+        </p:sp>
+        <p:sp>
+          <p:nvSpPr>
+            <p:cNvPr id="29" name="Oval 28">
+              <a:extLst>
+                <a:ext uri="{FF2B5EF4-FFF2-40B4-BE49-F238E27FC236}">
+                  <a16:creationId xmlns:a16="http://schemas.microsoft.com/office/drawing/2014/main" id="{0F00BC97-9A60-425C-AFBA-488C4A241520}"/>
+                </a:ext>
+              </a:extLst>
+            </p:cNvPr>
+            <p:cNvSpPr/>
+            <p:nvPr/>
+          </p:nvSpPr>
+          <p:spPr>
+            <a:xfrm>
+              <a:off x="5624364" y="3205630"/>
+              <a:ext cx="45719" cy="45719"/>
+            </a:xfrm>
+            <a:prstGeom prst="ellipse">
+              <a:avLst/>
+            </a:prstGeom>
+          </p:spPr>
+          <p:style>
+            <a:lnRef idx="2">
+              <a:schemeClr val="accent1">
+                <a:shade val="50000"/>
+              </a:schemeClr>
+            </a:lnRef>
+            <a:fillRef idx="1">
+              <a:schemeClr val="accent1"/>
+            </a:fillRef>
+            <a:effectRef idx="0">
+              <a:schemeClr val="accent1"/>
+            </a:effectRef>
+            <a:fontRef idx="minor">
+              <a:schemeClr val="lt1"/>
+            </a:fontRef>
+          </p:style>
+          <p:txBody>
+            <a:bodyPr rtlCol="0" anchor="ctr"/>
+            <a:lstStyle/>
+            <a:p>
+              <a:pPr algn="ctr"/>
+              <a:endParaRPr lang="en-GB"/>
+            </a:p>
+          </p:txBody>
+        </p:sp>
+        <p:cxnSp>
+          <p:nvCxnSpPr>
+            <p:cNvPr id="31" name="Straight Arrow Connector 30">
+              <a:extLst>
+                <a:ext uri="{FF2B5EF4-FFF2-40B4-BE49-F238E27FC236}">
+                  <a16:creationId xmlns:a16="http://schemas.microsoft.com/office/drawing/2014/main" id="{794ECF8A-8A00-4768-930A-4D3862B98C45}"/>
+                </a:ext>
+              </a:extLst>
+            </p:cNvPr>
+            <p:cNvCxnSpPr>
+              <a:cxnSpLocks/>
+              <a:stCxn id="4" idx="3"/>
+              <a:endCxn id="29" idx="5"/>
+            </p:cNvCxnSpPr>
+            <p:nvPr/>
+          </p:nvCxnSpPr>
+          <p:spPr>
+            <a:xfrm>
+              <a:off x="5030243" y="1293062"/>
+              <a:ext cx="633145" cy="1951592"/>
+            </a:xfrm>
+            <a:prstGeom prst="straightConnector1">
+              <a:avLst/>
+            </a:prstGeom>
+            <a:ln>
+              <a:tailEnd type="triangle"/>
+            </a:ln>
+          </p:spPr>
+          <p:style>
+            <a:lnRef idx="1">
+              <a:schemeClr val="accent1"/>
+            </a:lnRef>
+            <a:fillRef idx="0">
+              <a:schemeClr val="accent1"/>
+            </a:fillRef>
+            <a:effectRef idx="0">
+              <a:schemeClr val="accent1"/>
+            </a:effectRef>
+            <a:fontRef idx="minor">
+              <a:schemeClr val="tx1"/>
+            </a:fontRef>
+          </p:style>
+        </p:cxnSp>
+        <p:cxnSp>
+          <p:nvCxnSpPr>
+            <p:cNvPr id="33" name="Straight Arrow Connector 32">
+              <a:extLst>
+                <a:ext uri="{FF2B5EF4-FFF2-40B4-BE49-F238E27FC236}">
+                  <a16:creationId xmlns:a16="http://schemas.microsoft.com/office/drawing/2014/main" id="{DF054D59-97FE-4038-BB30-0996141AB329}"/>
+                </a:ext>
+              </a:extLst>
+            </p:cNvPr>
+            <p:cNvCxnSpPr>
+              <a:stCxn id="5" idx="3"/>
+              <a:endCxn id="29" idx="5"/>
+            </p:cNvCxnSpPr>
+            <p:nvPr/>
+          </p:nvCxnSpPr>
+          <p:spPr>
+            <a:xfrm>
+              <a:off x="5030243" y="1946205"/>
+              <a:ext cx="633145" cy="1298449"/>
+            </a:xfrm>
+            <a:prstGeom prst="straightConnector1">
+              <a:avLst/>
+            </a:prstGeom>
+            <a:ln>
+              <a:tailEnd type="triangle"/>
+            </a:ln>
+          </p:spPr>
+          <p:style>
+            <a:lnRef idx="1">
+              <a:schemeClr val="accent1"/>
+            </a:lnRef>
+            <a:fillRef idx="0">
+              <a:schemeClr val="accent1"/>
+            </a:fillRef>
+            <a:effectRef idx="0">
+              <a:schemeClr val="accent1"/>
+            </a:effectRef>
+            <a:fontRef idx="minor">
+              <a:schemeClr val="tx1"/>
+            </a:fontRef>
+          </p:style>
+        </p:cxnSp>
+        <p:cxnSp>
+          <p:nvCxnSpPr>
+            <p:cNvPr id="35" name="Straight Arrow Connector 34">
+              <a:extLst>
+                <a:ext uri="{FF2B5EF4-FFF2-40B4-BE49-F238E27FC236}">
+                  <a16:creationId xmlns:a16="http://schemas.microsoft.com/office/drawing/2014/main" id="{190DD0E2-D931-4FBA-96EE-4F077659A324}"/>
+                </a:ext>
+              </a:extLst>
+            </p:cNvPr>
+            <p:cNvCxnSpPr>
+              <a:cxnSpLocks/>
+              <a:stCxn id="6" idx="3"/>
+              <a:endCxn id="29" idx="5"/>
+            </p:cNvCxnSpPr>
+            <p:nvPr/>
+          </p:nvCxnSpPr>
+          <p:spPr>
+            <a:xfrm>
+              <a:off x="5030243" y="2599348"/>
+              <a:ext cx="633145" cy="645306"/>
+            </a:xfrm>
+            <a:prstGeom prst="straightConnector1">
+              <a:avLst/>
+            </a:prstGeom>
+            <a:ln>
+              <a:tailEnd type="triangle"/>
+            </a:ln>
+          </p:spPr>
+          <p:style>
+            <a:lnRef idx="1">
+              <a:schemeClr val="accent1"/>
+            </a:lnRef>
+            <a:fillRef idx="0">
+              <a:schemeClr val="accent1"/>
+            </a:fillRef>
+            <a:effectRef idx="0">
+              <a:schemeClr val="accent1"/>
+            </a:effectRef>
+            <a:fontRef idx="minor">
+              <a:schemeClr val="tx1"/>
+            </a:fontRef>
+          </p:style>
+        </p:cxnSp>
+        <p:cxnSp>
+          <p:nvCxnSpPr>
+            <p:cNvPr id="38" name="Straight Arrow Connector 37">
+              <a:extLst>
+                <a:ext uri="{FF2B5EF4-FFF2-40B4-BE49-F238E27FC236}">
+                  <a16:creationId xmlns:a16="http://schemas.microsoft.com/office/drawing/2014/main" id="{55A59FEC-9E0A-468D-94DC-B29C574C9E7C}"/>
+                </a:ext>
+              </a:extLst>
+            </p:cNvPr>
+            <p:cNvCxnSpPr>
+              <a:stCxn id="7" idx="3"/>
+              <a:endCxn id="29" idx="5"/>
+            </p:cNvCxnSpPr>
+            <p:nvPr/>
+          </p:nvCxnSpPr>
+          <p:spPr>
+            <a:xfrm flipV="1">
+              <a:off x="5030243" y="3244654"/>
+              <a:ext cx="633145" cy="7837"/>
+            </a:xfrm>
+            <a:prstGeom prst="straightConnector1">
+              <a:avLst/>
+            </a:prstGeom>
+            <a:ln>
+              <a:tailEnd type="triangle"/>
+            </a:ln>
+          </p:spPr>
+          <p:style>
+            <a:lnRef idx="1">
+              <a:schemeClr val="accent1"/>
+            </a:lnRef>
+            <a:fillRef idx="0">
+              <a:schemeClr val="accent1"/>
+            </a:fillRef>
+            <a:effectRef idx="0">
+              <a:schemeClr val="accent1"/>
+            </a:effectRef>
+            <a:fontRef idx="minor">
+              <a:schemeClr val="tx1"/>
+            </a:fontRef>
+          </p:style>
+        </p:cxnSp>
+        <p:cxnSp>
+          <p:nvCxnSpPr>
+            <p:cNvPr id="45" name="Straight Arrow Connector 44">
+              <a:extLst>
+                <a:ext uri="{FF2B5EF4-FFF2-40B4-BE49-F238E27FC236}">
+                  <a16:creationId xmlns:a16="http://schemas.microsoft.com/office/drawing/2014/main" id="{EBBB3851-B06A-430F-AEB1-FA75FDB79401}"/>
+                </a:ext>
+              </a:extLst>
+            </p:cNvPr>
+            <p:cNvCxnSpPr>
+              <a:cxnSpLocks/>
+              <a:endCxn id="29" idx="6"/>
+            </p:cNvCxnSpPr>
+            <p:nvPr/>
+          </p:nvCxnSpPr>
+          <p:spPr>
+            <a:xfrm flipV="1">
+              <a:off x="5030243" y="3228490"/>
+              <a:ext cx="639840" cy="739818"/>
+            </a:xfrm>
+            <a:prstGeom prst="straightConnector1">
+              <a:avLst/>
+            </a:prstGeom>
+            <a:ln>
+              <a:tailEnd type="triangle"/>
+            </a:ln>
+          </p:spPr>
+          <p:style>
+            <a:lnRef idx="1">
+              <a:schemeClr val="accent1"/>
+            </a:lnRef>
+            <a:fillRef idx="0">
+              <a:schemeClr val="accent1"/>
+            </a:fillRef>
+            <a:effectRef idx="0">
+              <a:schemeClr val="accent1"/>
+            </a:effectRef>
+            <a:fontRef idx="minor">
+              <a:schemeClr val="tx1"/>
+            </a:fontRef>
+          </p:style>
+        </p:cxnSp>
+      </p:grpSp>
+    </p:spTree>
+    <p:extLst>
+      <p:ext uri="{BB962C8B-B14F-4D97-AF65-F5344CB8AC3E}">
+        <p14:creationId xmlns:p14="http://schemas.microsoft.com/office/powerpoint/2010/main" val="2897445116"/>
+      </p:ext>
+    </p:extLst>
+  </p:cSld>
+  <p:clrMapOvr>
+    <a:masterClrMapping/>
+  </p:clrMapOvr>
+</p:sld>
+</file>
+
 <file path=ppt/theme/theme1.xml><?xml version="1.0" encoding="utf-8"?>
 <a:theme xmlns:a="http://schemas.openxmlformats.org/drawingml/2006/main" name="Office Theme">
   <a:themeElements>
@@ -4635,6 +5997,21 @@
 </file>
 
 <file path=customXml/item1.xml><?xml version="1.0" encoding="utf-8"?>
+<p:properties xmlns:p="http://schemas.microsoft.com/office/2006/metadata/properties" xmlns:xsi="http://www.w3.org/2001/XMLSchema-instance" xmlns:pc="http://schemas.microsoft.com/office/infopath/2007/PartnerControls">
+  <documentManagement/>
+</p:properties>
+</file>
+
+<file path=customXml/item2.xml><?xml version="1.0" encoding="utf-8"?>
+<?mso-contentType ?>
+<FormTemplates xmlns="http://schemas.microsoft.com/sharepoint/v3/contenttype/forms">
+  <Display>DocumentLibraryForm</Display>
+  <Edit>DocumentLibraryForm</Edit>
+  <New>DocumentLibraryForm</New>
+</FormTemplates>
+</file>
+
+<file path=customXml/item3.xml><?xml version="1.0" encoding="utf-8"?>
 <ct:contentTypeSchema xmlns:ct="http://schemas.microsoft.com/office/2006/metadata/contentType" xmlns:ma="http://schemas.microsoft.com/office/2006/metadata/properties/metaAttributes" ct:_="" ma:_="" ma:contentTypeName="Document" ma:contentTypeID="0x010100B893E91CDB3320478DFDA3F8A35FD6C7" ma:contentTypeVersion="10" ma:contentTypeDescription="Create a new document." ma:contentTypeScope="" ma:versionID="8342514dd26bde6d6bf3d602ceab4262">
   <xsd:schema xmlns:xsd="http://www.w3.org/2001/XMLSchema" xmlns:xs="http://www.w3.org/2001/XMLSchema" xmlns:p="http://schemas.microsoft.com/office/2006/metadata/properties" xmlns:ns3="1481236d-ba4b-483f-8508-a5d9c8552125" xmlns:ns4="ba6a384a-76f5-4854-bcfb-533a0aaaa663" targetNamespace="http://schemas.microsoft.com/office/2006/metadata/properties" ma:root="true" ma:fieldsID="bbbe2c60e3d803a716e696f158caab6f" ns3:_="" ns4:_="">
     <xsd:import namespace="1481236d-ba4b-483f-8508-a5d9c8552125"/>
@@ -4837,22 +6214,24 @@
 </ct:contentTypeSchema>
 </file>
 
-<file path=customXml/item2.xml><?xml version="1.0" encoding="utf-8"?>
-<?mso-contentType ?>
-<FormTemplates xmlns="http://schemas.microsoft.com/sharepoint/v3/contenttype/forms">
-  <Display>DocumentLibraryForm</Display>
-  <Edit>DocumentLibraryForm</Edit>
-  <New>DocumentLibraryForm</New>
-</FormTemplates>
+<file path=customXml/itemProps1.xml><?xml version="1.0" encoding="utf-8"?>
+<ds:datastoreItem xmlns:ds="http://schemas.openxmlformats.org/officeDocument/2006/customXml" ds:itemID="{F10B19EC-829A-4AF9-BFF1-C1D0EEA8AD02}">
+  <ds:schemaRefs>
+    <ds:schemaRef ds:uri="http://schemas.microsoft.com/office/2006/metadata/properties"/>
+    <ds:schemaRef ds:uri="http://schemas.microsoft.com/office/infopath/2007/PartnerControls"/>
+  </ds:schemaRefs>
+</ds:datastoreItem>
 </file>
 
-<file path=customXml/item3.xml><?xml version="1.0" encoding="utf-8"?>
-<p:properties xmlns:p="http://schemas.microsoft.com/office/2006/metadata/properties" xmlns:xsi="http://www.w3.org/2001/XMLSchema-instance" xmlns:pc="http://schemas.microsoft.com/office/infopath/2007/PartnerControls">
-  <documentManagement/>
-</p:properties>
+<file path=customXml/itemProps2.xml><?xml version="1.0" encoding="utf-8"?>
+<ds:datastoreItem xmlns:ds="http://schemas.openxmlformats.org/officeDocument/2006/customXml" ds:itemID="{DF8BF2E5-24C4-4A6D-8C54-229669C4D61F}">
+  <ds:schemaRefs>
+    <ds:schemaRef ds:uri="http://schemas.microsoft.com/sharepoint/v3/contenttype/forms"/>
+  </ds:schemaRefs>
+</ds:datastoreItem>
 </file>
 
-<file path=customXml/itemProps1.xml><?xml version="1.0" encoding="utf-8"?>
+<file path=customXml/itemProps3.xml><?xml version="1.0" encoding="utf-8"?>
 <ds:datastoreItem xmlns:ds="http://schemas.openxmlformats.org/officeDocument/2006/customXml" ds:itemID="{2A5AC8AA-369A-4819-B646-F95E5F5ED83D}">
   <ds:schemaRefs>
     <ds:schemaRef ds:uri="http://schemas.microsoft.com/office/2006/metadata/contentType"/>
@@ -4869,29 +6248,4 @@
     <ds:schemaRef ds:uri="http://schemas.microsoft.com/internal/obd"/>
   </ds:schemaRefs>
 </ds:datastoreItem>
-</file>
-
-<file path=customXml/itemProps2.xml><?xml version="1.0" encoding="utf-8"?>
-<ds:datastoreItem xmlns:ds="http://schemas.openxmlformats.org/officeDocument/2006/customXml" ds:itemID="{DF8BF2E5-24C4-4A6D-8C54-229669C4D61F}">
-  <ds:schemaRefs>
-    <ds:schemaRef ds:uri="http://schemas.microsoft.com/sharepoint/v3/contenttype/forms"/>
-  </ds:schemaRefs>
-</ds:datastoreItem>
-</file>
-
-<file path=customXml/itemProps3.xml><?xml version="1.0" encoding="utf-8"?>
-<ds:datastoreItem xmlns:ds="http://schemas.openxmlformats.org/officeDocument/2006/customXml" ds:itemID="{F10B19EC-829A-4AF9-BFF1-C1D0EEA8AD02}">
-  <ds:schemaRefs>
-    <ds:schemaRef ds:uri="http://schemas.microsoft.com/office/infopath/2007/PartnerControls"/>
-    <ds:schemaRef ds:uri="http://purl.org/dc/elements/1.1/"/>
-    <ds:schemaRef ds:uri="http://schemas.microsoft.com/office/2006/metadata/properties"/>
-    <ds:schemaRef ds:uri="http://schemas.microsoft.com/office/2006/documentManagement/types"/>
-    <ds:schemaRef ds:uri="http://purl.org/dc/terms/"/>
-    <ds:schemaRef ds:uri="http://schemas.openxmlformats.org/package/2006/metadata/core-properties"/>
-    <ds:schemaRef ds:uri="ba6a384a-76f5-4854-bcfb-533a0aaaa663"/>
-    <ds:schemaRef ds:uri="http://purl.org/dc/dcmitype/"/>
-    <ds:schemaRef ds:uri="1481236d-ba4b-483f-8508-a5d9c8552125"/>
-    <ds:schemaRef ds:uri="http://www.w3.org/XML/1998/namespace"/>
-  </ds:schemaRefs>
-</ds:datastoreItem>
 </file>